--- a/R_Sample2/HandsOnL09.pptx
+++ b/R_Sample2/HandsOnL09.pptx
@@ -228,7 +228,7 @@
           <a:p>
             <a:fld id="{86252186-C111-43A8-A0F7-F77FFDE4DF82}" type="datetimeFigureOut">
               <a:rPr lang="en-US" smtClean="0"/>
-              <a:t>8/16/2022</a:t>
+              <a:t>1/3/2023</a:t>
             </a:fld>
             <a:endParaRPr lang="en-US" dirty="0"/>
           </a:p>
@@ -405,7 +405,7 @@
           <a:p>
             <a:fld id="{7E2BBB5B-F3DE-41D7-B279-483D20E8E363}" type="datetimeFigureOut">
               <a:rPr lang="en-US" smtClean="0"/>
-              <a:t>8/16/2022</a:t>
+              <a:t>1/3/2023</a:t>
             </a:fld>
             <a:endParaRPr lang="en-US" dirty="0"/>
           </a:p>
@@ -18913,7 +18913,7 @@
         </p:nvSpPr>
         <p:spPr>
           <a:xfrm>
-            <a:off x="0" y="0"/>
+            <a:off x="-2579017" y="262295"/>
             <a:ext cx="12192000" cy="2442052"/>
           </a:xfrm>
           <a:prstGeom prst="rect">
@@ -23455,6 +23455,15 @@
 </file>
 
 <file path=customXml/item1.xml><?xml version="1.0" encoding="utf-8"?>
+<?mso-contentType ?>
+<FormTemplates xmlns="http://schemas.microsoft.com/sharepoint/v3/contenttype/forms">
+  <Display>DocumentLibraryForm</Display>
+  <Edit>DocumentLibraryForm</Edit>
+  <New>DocumentLibraryForm</New>
+</FormTemplates>
+</file>
+
+<file path=customXml/item2.xml><?xml version="1.0" encoding="utf-8"?>
 <p:properties xmlns:p="http://schemas.microsoft.com/office/2006/metadata/properties" xmlns:xsi="http://www.w3.org/2001/XMLSchema-instance" xmlns:pc="http://schemas.microsoft.com/office/infopath/2007/PartnerControls">
   <documentManagement>
     <_ip_UnifiedCompliancePolicyUIAction xmlns="http://schemas.microsoft.com/sharepoint/v3" xsi:nil="true"/>
@@ -23471,15 +23480,6 @@
     <MediaServiceKeyPoints xmlns="71af3243-3dd4-4a8d-8c0d-dd76da1f02a5" xsi:nil="true"/>
   </documentManagement>
 </p:properties>
-</file>
-
-<file path=customXml/item2.xml><?xml version="1.0" encoding="utf-8"?>
-<?mso-contentType ?>
-<FormTemplates xmlns="http://schemas.microsoft.com/sharepoint/v3/contenttype/forms">
-  <Display>DocumentLibraryForm</Display>
-  <Edit>DocumentLibraryForm</Edit>
-  <New>DocumentLibraryForm</New>
-</FormTemplates>
 </file>
 
 <file path=customXml/item3.xml><?xml version="1.0" encoding="utf-8"?>
@@ -23759,21 +23759,28 @@
 </file>
 
 <file path=customXml/itemProps1.xml><?xml version="1.0" encoding="utf-8"?>
-<ds:datastoreItem xmlns:ds="http://schemas.openxmlformats.org/officeDocument/2006/customXml" ds:itemID="{0E439292-23DE-4FBC-B000-AFED89AC64F3}">
+<ds:datastoreItem xmlns:ds="http://schemas.openxmlformats.org/officeDocument/2006/customXml" ds:itemID="{5F1B15C2-B622-4464-872A-FFB13E3A35CE}">
   <ds:schemaRefs>
-    <ds:schemaRef ds:uri="http://schemas.microsoft.com/office/2006/metadata/properties"/>
-    <ds:schemaRef ds:uri="http://schemas.microsoft.com/office/infopath/2007/PartnerControls"/>
-    <ds:schemaRef ds:uri="http://schemas.microsoft.com/sharepoint/v3"/>
-    <ds:schemaRef ds:uri="71af3243-3dd4-4a8d-8c0d-dd76da1f02a5"/>
-    <ds:schemaRef ds:uri="230e9df3-be65-4c73-a93b-d1236ebd677e"/>
+    <ds:schemaRef ds:uri="http://schemas.microsoft.com/sharepoint/v3/contenttype/forms"/>
   </ds:schemaRefs>
 </ds:datastoreItem>
 </file>
 
 <file path=customXml/itemProps2.xml><?xml version="1.0" encoding="utf-8"?>
-<ds:datastoreItem xmlns:ds="http://schemas.openxmlformats.org/officeDocument/2006/customXml" ds:itemID="{5F1B15C2-B622-4464-872A-FFB13E3A35CE}">
+<ds:datastoreItem xmlns:ds="http://schemas.openxmlformats.org/officeDocument/2006/customXml" ds:itemID="{0E439292-23DE-4FBC-B000-AFED89AC64F3}">
   <ds:schemaRefs>
-    <ds:schemaRef ds:uri="http://schemas.microsoft.com/sharepoint/v3/contenttype/forms"/>
+    <ds:schemaRef ds:uri="http://purl.org/dc/elements/1.1/"/>
+    <ds:schemaRef ds:uri="230e9df3-be65-4c73-a93b-d1236ebd677e"/>
+    <ds:schemaRef ds:uri="http://schemas.microsoft.com/office/2006/documentManagement/types"/>
+    <ds:schemaRef ds:uri="71af3243-3dd4-4a8d-8c0d-dd76da1f02a5"/>
+    <ds:schemaRef ds:uri="http://schemas.microsoft.com/office/2006/metadata/properties"/>
+    <ds:schemaRef ds:uri="http://schemas.microsoft.com/sharepoint/v3"/>
+    <ds:schemaRef ds:uri="http://schemas.microsoft.com/office/infopath/2007/PartnerControls"/>
+    <ds:schemaRef ds:uri="http://purl.org/dc/dcmitype/"/>
+    <ds:schemaRef ds:uri="http://purl.org/dc/terms/"/>
+    <ds:schemaRef ds:uri="http://schemas.openxmlformats.org/package/2006/metadata/core-properties"/>
+    <ds:schemaRef ds:uri="16c05727-aa75-4e4a-9b5f-8a80a1165891"/>
+    <ds:schemaRef ds:uri="http://www.w3.org/XML/1998/namespace"/>
   </ds:schemaRefs>
 </ds:datastoreItem>
 </file>
